--- a/Python Workshop I.pptx
+++ b/Python Workshop I.pptx
@@ -606,7 +606,7 @@
           <a:p>
             <a:fld id="{77F1A06C-D6AD-4CEB-8E55-BFC2E8D896B4}" type="datetimeFigureOut">
               <a:rPr lang="en-US" smtClean="0"/>
-              <a:t>1/30/2020</a:t>
+              <a:t>2/7/2020</a:t>
             </a:fld>
             <a:endParaRPr lang="en-US"/>
           </a:p>
@@ -871,7 +871,7 @@
           <a:p>
             <a:fld id="{77F1A06C-D6AD-4CEB-8E55-BFC2E8D896B4}" type="datetimeFigureOut">
               <a:rPr lang="en-US" smtClean="0"/>
-              <a:t>1/30/2020</a:t>
+              <a:t>2/7/2020</a:t>
             </a:fld>
             <a:endParaRPr lang="en-US"/>
           </a:p>
@@ -1423,7 +1423,7 @@
           <a:p>
             <a:fld id="{77F1A06C-D6AD-4CEB-8E55-BFC2E8D896B4}" type="datetimeFigureOut">
               <a:rPr lang="en-US" smtClean="0"/>
-              <a:t>1/30/2020</a:t>
+              <a:t>2/7/2020</a:t>
             </a:fld>
             <a:endParaRPr lang="en-US"/>
           </a:p>
@@ -1688,7 +1688,7 @@
           <a:p>
             <a:fld id="{77F1A06C-D6AD-4CEB-8E55-BFC2E8D896B4}" type="datetimeFigureOut">
               <a:rPr lang="en-US" smtClean="0"/>
-              <a:t>1/30/2020</a:t>
+              <a:t>2/7/2020</a:t>
             </a:fld>
             <a:endParaRPr lang="en-US"/>
           </a:p>
@@ -3313,7 +3313,7 @@
           <a:p>
             <a:fld id="{77F1A06C-D6AD-4CEB-8E55-BFC2E8D896B4}" type="datetimeFigureOut">
               <a:rPr lang="en-US" smtClean="0"/>
-              <a:t>1/30/2020</a:t>
+              <a:t>2/7/2020</a:t>
             </a:fld>
             <a:endParaRPr lang="en-US"/>
           </a:p>
@@ -3578,7 +3578,7 @@
           <a:p>
             <a:fld id="{77F1A06C-D6AD-4CEB-8E55-BFC2E8D896B4}" type="datetimeFigureOut">
               <a:rPr lang="en-US" smtClean="0"/>
-              <a:t>1/30/2020</a:t>
+              <a:t>2/7/2020</a:t>
             </a:fld>
             <a:endParaRPr lang="en-US"/>
           </a:p>
@@ -4128,7 +4128,7 @@
           <a:p>
             <a:fld id="{77F1A06C-D6AD-4CEB-8E55-BFC2E8D896B4}" type="datetimeFigureOut">
               <a:rPr lang="en-US" smtClean="0"/>
-              <a:t>1/30/2020</a:t>
+              <a:t>2/7/2020</a:t>
             </a:fld>
             <a:endParaRPr lang="en-US"/>
           </a:p>
@@ -4393,7 +4393,7 @@
           <a:p>
             <a:fld id="{77F1A06C-D6AD-4CEB-8E55-BFC2E8D896B4}" type="datetimeFigureOut">
               <a:rPr lang="en-US" smtClean="0"/>
-              <a:t>1/30/2020</a:t>
+              <a:t>2/7/2020</a:t>
             </a:fld>
             <a:endParaRPr lang="en-US"/>
           </a:p>
@@ -8706,6 +8706,76 @@
             </a:r>
             <a:endParaRPr lang="en-US" dirty="0"/>
           </a:p>
+          <a:p>
+            <a:endParaRPr lang="en-US" dirty="0"/>
+          </a:p>
+          <a:p>
+            <a:r>
+              <a:rPr lang="en-US" dirty="0"/>
+              <a:t>Tips</a:t>
+            </a:r>
+          </a:p>
+          <a:p>
+            <a:pPr lvl="1"/>
+            <a:r>
+              <a:rPr lang="en-US" dirty="0"/>
+              <a:t>To reopen a </a:t>
+            </a:r>
+            <a:r>
+              <a:rPr lang="en-US" dirty="0" err="1"/>
+              <a:t>Jupyter</a:t>
+            </a:r>
+            <a:r>
+              <a:rPr lang="en-US" dirty="0"/>
+              <a:t> Notebook, just launch </a:t>
+            </a:r>
+            <a:r>
+              <a:rPr lang="en-US" dirty="0" err="1"/>
+              <a:t>Jupyter</a:t>
+            </a:r>
+            <a:r>
+              <a:rPr lang="en-US" dirty="0"/>
+              <a:t> Notebook again designating the file directory you used initially</a:t>
+            </a:r>
+          </a:p>
+          <a:p>
+            <a:pPr lvl="1"/>
+            <a:r>
+              <a:rPr lang="en-US" dirty="0"/>
+              <a:t>Having issues with importing Bob Ross data? Try </a:t>
+            </a:r>
+            <a:r>
+              <a:rPr lang="en-US" dirty="0">
+                <a:latin typeface="Courier New" panose="02070309020205020404" pitchFamily="49" charset="0"/>
+                <a:cs typeface="Courier New" panose="02070309020205020404" pitchFamily="49" charset="0"/>
+              </a:rPr>
+              <a:t>pip install </a:t>
+            </a:r>
+            <a:r>
+              <a:rPr lang="en-US" dirty="0" err="1">
+                <a:latin typeface="Courier New" panose="02070309020205020404" pitchFamily="49" charset="0"/>
+                <a:cs typeface="Courier New" panose="02070309020205020404" pitchFamily="49" charset="0"/>
+              </a:rPr>
+              <a:t>certifi</a:t>
+            </a:r>
+            <a:r>
+              <a:rPr lang="en-US" dirty="0">
+                <a:latin typeface="Courier New" panose="02070309020205020404" pitchFamily="49" charset="0"/>
+                <a:cs typeface="Courier New" panose="02070309020205020404" pitchFamily="49" charset="0"/>
+              </a:rPr>
+              <a:t> </a:t>
+            </a:r>
+            <a:r>
+              <a:rPr lang="en-US" dirty="0">
+                <a:latin typeface="+mn-lt"/>
+                <a:cs typeface="Courier New" panose="02070309020205020404" pitchFamily="49" charset="0"/>
+              </a:rPr>
+              <a:t>This provides Python with the right certificates.</a:t>
+            </a:r>
+            <a:endParaRPr lang="en-US" dirty="0">
+              <a:latin typeface="+mn-lt"/>
+            </a:endParaRPr>
+          </a:p>
         </p:txBody>
       </p:sp>
     </p:spTree>
@@ -10285,7 +10355,9 @@
         </p:nvSpPr>
         <p:spPr/>
         <p:txBody>
-          <a:bodyPr/>
+          <a:bodyPr>
+            <a:normAutofit lnSpcReduction="10000"/>
+          </a:bodyPr>
           <a:lstStyle/>
           <a:p>
             <a:r>
@@ -10324,6 +10396,13 @@
           </a:p>
           <a:p>
             <a:pPr lvl="1"/>
+            <a:r>
+              <a:rPr lang="en-US" dirty="0">
+                <a:latin typeface="+mn-lt"/>
+                <a:cs typeface="Courier New" panose="02070309020205020404" pitchFamily="49" charset="0"/>
+              </a:rPr>
+              <a:t>Windows - </a:t>
+            </a:r>
             <a:r>
               <a:rPr lang="en-US" dirty="0">
                 <a:latin typeface="Courier New" panose="02070309020205020404" pitchFamily="49" charset="0"/>
@@ -10345,6 +10424,34 @@
               </a:rPr>
               <a:t>”</a:t>
             </a:r>
+          </a:p>
+          <a:p>
+            <a:pPr lvl="1"/>
+            <a:r>
+              <a:rPr lang="en-US" dirty="0">
+                <a:latin typeface="+mn-lt"/>
+                <a:cs typeface="Courier New" panose="02070309020205020404" pitchFamily="49" charset="0"/>
+              </a:rPr>
+              <a:t>Mac – </a:t>
+            </a:r>
+            <a:r>
+              <a:rPr lang="en-US" dirty="0">
+                <a:latin typeface="Courier New" panose="02070309020205020404" pitchFamily="49" charset="0"/>
+                <a:cs typeface="Courier New" panose="02070309020205020404" pitchFamily="49" charset="0"/>
+              </a:rPr>
+              <a:t>cd </a:t>
+            </a:r>
+            <a:r>
+              <a:rPr lang="en-US" dirty="0" err="1">
+                <a:latin typeface="Courier New" panose="02070309020205020404" pitchFamily="49" charset="0"/>
+                <a:cs typeface="Courier New" panose="02070309020205020404" pitchFamily="49" charset="0"/>
+              </a:rPr>
+              <a:t>filepath</a:t>
+            </a:r>
+            <a:endParaRPr lang="en-US" dirty="0">
+              <a:latin typeface="+mn-lt"/>
+              <a:cs typeface="Courier New" panose="02070309020205020404" pitchFamily="49" charset="0"/>
+            </a:endParaRPr>
           </a:p>
           <a:p>
             <a:endParaRPr lang="en-US" dirty="0"/>
